--- a/JSP/jsp 학습자료.pptx
+++ b/JSP/jsp 학습자료.pptx
@@ -4128,6 +4128,268 @@
           <a:chExt cx="0" cy="0"/>
         </a:xfrm>
       </p:grpSpPr>
+      <p:cxnSp>
+        <p:nvCxnSpPr>
+          <p:cNvPr id="5" name="직선 화살표 연결선 4"/>
+          <p:cNvCxnSpPr/>
+          <p:nvPr/>
+        </p:nvCxnSpPr>
+        <p:spPr>
+          <a:xfrm>
+            <a:off x="4024843" y="2048933"/>
+            <a:ext cx="551395" cy="0"/>
+          </a:xfrm>
+          <a:prstGeom prst="straightConnector1">
+            <a:avLst/>
+          </a:prstGeom>
+          <a:ln>
+            <a:tailEnd type="triangle"/>
+          </a:ln>
+        </p:spPr>
+        <p:style>
+          <a:lnRef idx="1">
+            <a:schemeClr val="accent1"/>
+          </a:lnRef>
+          <a:fillRef idx="0">
+            <a:schemeClr val="accent1"/>
+          </a:fillRef>
+          <a:effectRef idx="0">
+            <a:schemeClr val="accent1"/>
+          </a:effectRef>
+          <a:fontRef idx="minor">
+            <a:schemeClr val="tx1"/>
+          </a:fontRef>
+        </p:style>
+      </p:cxnSp>
+      <p:sp>
+        <p:nvSpPr>
+          <p:cNvPr id="8" name="직사각형 7"/>
+          <p:cNvSpPr/>
+          <p:nvPr/>
+        </p:nvSpPr>
+        <p:spPr>
+          <a:xfrm>
+            <a:off x="3139017" y="1744133"/>
+            <a:ext cx="660400" cy="609600"/>
+          </a:xfrm>
+          <a:prstGeom prst="rect">
+            <a:avLst/>
+          </a:prstGeom>
+        </p:spPr>
+        <p:style>
+          <a:lnRef idx="2">
+            <a:schemeClr val="accent1">
+              <a:shade val="50000"/>
+            </a:schemeClr>
+          </a:lnRef>
+          <a:fillRef idx="1">
+            <a:schemeClr val="accent1"/>
+          </a:fillRef>
+          <a:effectRef idx="0">
+            <a:schemeClr val="accent1"/>
+          </a:effectRef>
+          <a:fontRef idx="minor">
+            <a:schemeClr val="lt1"/>
+          </a:fontRef>
+        </p:style>
+        <p:txBody>
+          <a:bodyPr rtlCol="0" anchor="ctr"/>
+          <a:lstStyle/>
+          <a:p>
+            <a:pPr algn="ctr"/>
+            <a:r>
+              <a:rPr lang="en-US" altLang="ko-KR" sz="900" dirty="0" err="1" smtClean="0"/>
+              <a:t>Index.jsp</a:t>
+            </a:r>
+            <a:endParaRPr lang="ko-KR" altLang="en-US" sz="900" dirty="0"/>
+          </a:p>
+        </p:txBody>
+      </p:sp>
+      <p:sp>
+        <p:nvSpPr>
+          <p:cNvPr id="9" name="직사각형 8"/>
+          <p:cNvSpPr/>
+          <p:nvPr/>
+        </p:nvSpPr>
+        <p:spPr>
+          <a:xfrm>
+            <a:off x="6428330" y="1744133"/>
+            <a:ext cx="660400" cy="609600"/>
+          </a:xfrm>
+          <a:prstGeom prst="rect">
+            <a:avLst/>
+          </a:prstGeom>
+        </p:spPr>
+        <p:style>
+          <a:lnRef idx="2">
+            <a:schemeClr val="accent1">
+              <a:shade val="50000"/>
+            </a:schemeClr>
+          </a:lnRef>
+          <a:fillRef idx="1">
+            <a:schemeClr val="accent1"/>
+          </a:fillRef>
+          <a:effectRef idx="0">
+            <a:schemeClr val="accent1"/>
+          </a:effectRef>
+          <a:fontRef idx="minor">
+            <a:schemeClr val="lt1"/>
+          </a:fontRef>
+        </p:style>
+        <p:txBody>
+          <a:bodyPr rtlCol="0" anchor="ctr"/>
+          <a:lstStyle/>
+          <a:p>
+            <a:pPr algn="ctr"/>
+            <a:r>
+              <a:rPr lang="ko-KR" altLang="en-US" dirty="0" smtClean="0"/>
+              <a:t>실행</a:t>
+            </a:r>
+            <a:endParaRPr lang="ko-KR" altLang="en-US" dirty="0"/>
+          </a:p>
+        </p:txBody>
+      </p:sp>
+      <p:sp>
+        <p:nvSpPr>
+          <p:cNvPr id="10" name="직사각형 9"/>
+          <p:cNvSpPr/>
+          <p:nvPr/>
+        </p:nvSpPr>
+        <p:spPr>
+          <a:xfrm>
+            <a:off x="4876807" y="1735667"/>
+            <a:ext cx="660400" cy="609600"/>
+          </a:xfrm>
+          <a:prstGeom prst="rect">
+            <a:avLst/>
+          </a:prstGeom>
+        </p:spPr>
+        <p:style>
+          <a:lnRef idx="2">
+            <a:schemeClr val="accent1">
+              <a:shade val="50000"/>
+            </a:schemeClr>
+          </a:lnRef>
+          <a:fillRef idx="1">
+            <a:schemeClr val="accent1"/>
+          </a:fillRef>
+          <a:effectRef idx="0">
+            <a:schemeClr val="accent1"/>
+          </a:effectRef>
+          <a:fontRef idx="minor">
+            <a:schemeClr val="lt1"/>
+          </a:fontRef>
+        </p:style>
+        <p:txBody>
+          <a:bodyPr rtlCol="0" anchor="ctr"/>
+          <a:lstStyle/>
+          <a:p>
+            <a:pPr algn="ctr"/>
+            <a:r>
+              <a:rPr lang="en-US" altLang="ko-KR" sz="900" dirty="0" smtClean="0"/>
+              <a:t>Index_jsp.java</a:t>
+            </a:r>
+            <a:endParaRPr lang="ko-KR" altLang="en-US" sz="900" dirty="0"/>
+          </a:p>
+        </p:txBody>
+      </p:sp>
+      <p:sp>
+        <p:nvSpPr>
+          <p:cNvPr id="12" name="TextBox 11"/>
+          <p:cNvSpPr txBox="1"/>
+          <p:nvPr/>
+        </p:nvSpPr>
+        <p:spPr>
+          <a:xfrm>
+            <a:off x="3819305" y="1825023"/>
+            <a:ext cx="944489" cy="215444"/>
+          </a:xfrm>
+          <a:prstGeom prst="rect">
+            <a:avLst/>
+          </a:prstGeom>
+          <a:noFill/>
+        </p:spPr>
+        <p:txBody>
+          <a:bodyPr wrap="none" rtlCol="0">
+            <a:spAutoFit/>
+          </a:bodyPr>
+          <a:lstStyle/>
+          <a:p>
+            <a:r>
+              <a:rPr lang="en-US" altLang="ko-KR" sz="800" dirty="0" smtClean="0"/>
+              <a:t>Servlet</a:t>
+            </a:r>
+            <a:r>
+              <a:rPr lang="ko-KR" altLang="en-US" sz="800" dirty="0" smtClean="0"/>
+              <a:t>으로 변환</a:t>
+            </a:r>
+            <a:endParaRPr lang="ko-KR" altLang="en-US" sz="800" dirty="0"/>
+          </a:p>
+        </p:txBody>
+      </p:sp>
+      <p:cxnSp>
+        <p:nvCxnSpPr>
+          <p:cNvPr id="16" name="직선 화살표 연결선 15"/>
+          <p:cNvCxnSpPr/>
+          <p:nvPr/>
+        </p:nvCxnSpPr>
+        <p:spPr>
+          <a:xfrm>
+            <a:off x="5726644" y="2032000"/>
+            <a:ext cx="551395" cy="0"/>
+          </a:xfrm>
+          <a:prstGeom prst="straightConnector1">
+            <a:avLst/>
+          </a:prstGeom>
+          <a:ln>
+            <a:tailEnd type="triangle"/>
+          </a:ln>
+        </p:spPr>
+        <p:style>
+          <a:lnRef idx="1">
+            <a:schemeClr val="accent1"/>
+          </a:lnRef>
+          <a:fillRef idx="0">
+            <a:schemeClr val="accent1"/>
+          </a:fillRef>
+          <a:effectRef idx="0">
+            <a:schemeClr val="accent1"/>
+          </a:effectRef>
+          <a:fontRef idx="minor">
+            <a:schemeClr val="tx1"/>
+          </a:fontRef>
+        </p:style>
+      </p:cxnSp>
+      <p:sp>
+        <p:nvSpPr>
+          <p:cNvPr id="17" name="TextBox 16"/>
+          <p:cNvSpPr txBox="1"/>
+          <p:nvPr/>
+        </p:nvSpPr>
+        <p:spPr>
+          <a:xfrm>
+            <a:off x="5741242" y="1808086"/>
+            <a:ext cx="492443" cy="215444"/>
+          </a:xfrm>
+          <a:prstGeom prst="rect">
+            <a:avLst/>
+          </a:prstGeom>
+          <a:noFill/>
+        </p:spPr>
+        <p:txBody>
+          <a:bodyPr wrap="none" rtlCol="0">
+            <a:spAutoFit/>
+          </a:bodyPr>
+          <a:lstStyle/>
+          <a:p>
+            <a:r>
+              <a:rPr lang="ko-KR" altLang="en-US" sz="800" dirty="0" smtClean="0"/>
+              <a:t>컴파일</a:t>
+            </a:r>
+            <a:endParaRPr lang="ko-KR" altLang="en-US" sz="800" dirty="0"/>
+          </a:p>
+        </p:txBody>
+      </p:sp>
     </p:spTree>
     <p:extLst>
       <p:ext uri="{BB962C8B-B14F-4D97-AF65-F5344CB8AC3E}">
